--- a/ITI/TF/Volume1/media/Figure_17.4-4.pptx
+++ b/ITI/TF/Volume1/media/Figure_17.4-4.pptx
@@ -104,6 +104,11 @@
       </a:defRPr>
     </a:lvl9pPr>
   </p:defaultTextStyle>
+  <p:extLst>
+    <p:ext uri="{EFAFB233-063F-42B5-8137-9DF3F51BA10A}">
+      <p15:sldGuideLst xmlns:p15="http://schemas.microsoft.com/office/powerpoint/2012/main"/>
+    </p:ext>
+  </p:extLst>
 </p:presentation>
 </file>
 
@@ -254,7 +259,7 @@
           <a:p>
             <a:fld id="{25B2FF71-B553-CA4F-8818-62FC82252997}" type="datetimeFigureOut">
               <a:rPr lang="en-US" smtClean="0"/>
-              <a:t>8/12/20</a:t>
+              <a:t>8/26/20</a:t>
             </a:fld>
             <a:endParaRPr lang="en-US"/>
           </a:p>
@@ -452,7 +457,7 @@
           <a:p>
             <a:fld id="{25B2FF71-B553-CA4F-8818-62FC82252997}" type="datetimeFigureOut">
               <a:rPr lang="en-US" smtClean="0"/>
-              <a:t>8/12/20</a:t>
+              <a:t>8/26/20</a:t>
             </a:fld>
             <a:endParaRPr lang="en-US"/>
           </a:p>
@@ -660,7 +665,7 @@
           <a:p>
             <a:fld id="{25B2FF71-B553-CA4F-8818-62FC82252997}" type="datetimeFigureOut">
               <a:rPr lang="en-US" smtClean="0"/>
-              <a:t>8/12/20</a:t>
+              <a:t>8/26/20</a:t>
             </a:fld>
             <a:endParaRPr lang="en-US"/>
           </a:p>
@@ -858,7 +863,7 @@
           <a:p>
             <a:fld id="{25B2FF71-B553-CA4F-8818-62FC82252997}" type="datetimeFigureOut">
               <a:rPr lang="en-US" smtClean="0"/>
-              <a:t>8/12/20</a:t>
+              <a:t>8/26/20</a:t>
             </a:fld>
             <a:endParaRPr lang="en-US"/>
           </a:p>
@@ -1133,7 +1138,7 @@
           <a:p>
             <a:fld id="{25B2FF71-B553-CA4F-8818-62FC82252997}" type="datetimeFigureOut">
               <a:rPr lang="en-US" smtClean="0"/>
-              <a:t>8/12/20</a:t>
+              <a:t>8/26/20</a:t>
             </a:fld>
             <a:endParaRPr lang="en-US"/>
           </a:p>
@@ -1398,7 +1403,7 @@
           <a:p>
             <a:fld id="{25B2FF71-B553-CA4F-8818-62FC82252997}" type="datetimeFigureOut">
               <a:rPr lang="en-US" smtClean="0"/>
-              <a:t>8/12/20</a:t>
+              <a:t>8/26/20</a:t>
             </a:fld>
             <a:endParaRPr lang="en-US"/>
           </a:p>
@@ -1810,7 +1815,7 @@
           <a:p>
             <a:fld id="{25B2FF71-B553-CA4F-8818-62FC82252997}" type="datetimeFigureOut">
               <a:rPr lang="en-US" smtClean="0"/>
-              <a:t>8/12/20</a:t>
+              <a:t>8/26/20</a:t>
             </a:fld>
             <a:endParaRPr lang="en-US"/>
           </a:p>
@@ -1951,7 +1956,7 @@
           <a:p>
             <a:fld id="{25B2FF71-B553-CA4F-8818-62FC82252997}" type="datetimeFigureOut">
               <a:rPr lang="en-US" smtClean="0"/>
-              <a:t>8/12/20</a:t>
+              <a:t>8/26/20</a:t>
             </a:fld>
             <a:endParaRPr lang="en-US"/>
           </a:p>
@@ -2064,7 +2069,7 @@
           <a:p>
             <a:fld id="{25B2FF71-B553-CA4F-8818-62FC82252997}" type="datetimeFigureOut">
               <a:rPr lang="en-US" smtClean="0"/>
-              <a:t>8/12/20</a:t>
+              <a:t>8/26/20</a:t>
             </a:fld>
             <a:endParaRPr lang="en-US"/>
           </a:p>
@@ -2375,7 +2380,7 @@
           <a:p>
             <a:fld id="{25B2FF71-B553-CA4F-8818-62FC82252997}" type="datetimeFigureOut">
               <a:rPr lang="en-US" smtClean="0"/>
-              <a:t>8/12/20</a:t>
+              <a:t>8/26/20</a:t>
             </a:fld>
             <a:endParaRPr lang="en-US"/>
           </a:p>
@@ -2663,7 +2668,7 @@
           <a:p>
             <a:fld id="{25B2FF71-B553-CA4F-8818-62FC82252997}" type="datetimeFigureOut">
               <a:rPr lang="en-US" smtClean="0"/>
-              <a:t>8/12/20</a:t>
+              <a:t>8/26/20</a:t>
             </a:fld>
             <a:endParaRPr lang="en-US"/>
           </a:p>
@@ -2904,7 +2909,7 @@
           <a:p>
             <a:fld id="{25B2FF71-B553-CA4F-8818-62FC82252997}" type="datetimeFigureOut">
               <a:rPr lang="en-US" smtClean="0"/>
-              <a:t>8/12/20</a:t>
+              <a:t>8/26/20</a:t>
             </a:fld>
             <a:endParaRPr lang="en-US"/>
           </a:p>
@@ -3337,7 +3342,7 @@
         </p:nvSpPr>
         <p:spPr bwMode="auto">
           <a:xfrm>
-            <a:off x="1665288" y="485775"/>
+            <a:off x="1665288" y="675342"/>
             <a:ext cx="954087" cy="320675"/>
           </a:xfrm>
           <a:prstGeom prst="rect">
@@ -3481,7 +3486,7 @@
         </p:nvSpPr>
         <p:spPr bwMode="auto">
           <a:xfrm>
-            <a:off x="4237038" y="733425"/>
+            <a:off x="3534515" y="733425"/>
             <a:ext cx="944562" cy="320675"/>
           </a:xfrm>
           <a:prstGeom prst="rect">
@@ -4003,7 +4008,7 @@
         </p:nvSpPr>
         <p:spPr bwMode="auto">
           <a:xfrm>
-            <a:off x="4656138" y="914400"/>
+            <a:off x="4656138" y="735983"/>
             <a:ext cx="944562" cy="320675"/>
           </a:xfrm>
           <a:prstGeom prst="rect">
@@ -4764,7 +4769,7 @@
           </a:bodyPr>
           <a:lstStyle/>
           <a:p>
-            <a:pPr marL="0" marR="0" lvl="0" indent="0" algn="l" defTabSz="914400" rtl="0" eaLnBrk="0" fontAlgn="base" latinLnBrk="0" hangingPunct="0">
+            <a:pPr marL="0" marR="0" lvl="0" indent="0" algn="ctr" defTabSz="914400" rtl="0" eaLnBrk="0" fontAlgn="base" latinLnBrk="0" hangingPunct="0">
               <a:lnSpc>
                 <a:spcPct val="100000"/>
               </a:lnSpc>
@@ -4781,7 +4786,7 @@
               <a:tabLst/>
             </a:pPr>
             <a:r>
-              <a:rPr kumimoji="0" lang="en-US" altLang="en-US" sz="1000" b="0" i="0" u="none" strike="noStrike" cap="none" normalizeH="0" baseline="0">
+              <a:rPr kumimoji="0" lang="en-US" altLang="en-US" sz="1000" b="0" i="0" u="none" strike="noStrike" cap="none" normalizeH="0" baseline="0" dirty="0">
                 <a:ln>
                   <a:noFill/>
                 </a:ln>
@@ -4794,7 +4799,7 @@
               </a:rPr>
               <a:t>Multiple submit actions may take place.</a:t>
             </a:r>
-            <a:endParaRPr kumimoji="0" lang="en-US" altLang="en-US" sz="1800" b="0" i="0" u="none" strike="noStrike" cap="none" normalizeH="0" baseline="0">
+            <a:endParaRPr kumimoji="0" lang="en-US" altLang="en-US" sz="1800" b="0" i="0" u="none" strike="noStrike" cap="none" normalizeH="0" baseline="0" dirty="0">
               <a:ln>
                 <a:noFill/>
               </a:ln>
@@ -4823,8 +4828,8 @@
         </p:nvSpPr>
         <p:spPr bwMode="auto">
           <a:xfrm>
-            <a:off x="4076700" y="457200"/>
-            <a:ext cx="914400" cy="295275"/>
+            <a:off x="4076699" y="457200"/>
+            <a:ext cx="1123943" cy="295275"/>
           </a:xfrm>
           <a:prstGeom prst="rect">
             <a:avLst/>
@@ -4878,7 +4883,14 @@
               <a:tabLst/>
             </a:pPr>
             <a:r>
-              <a:rPr kumimoji="0" lang="en-US" altLang="en-US" sz="1000" b="0" i="0" u="none" strike="noStrike" cap="none" normalizeH="0" baseline="0">
+              <a:rPr lang="en-US" altLang="en-US" sz="1000" dirty="0">
+                <a:latin typeface="Arial" panose="020B0604020202020204" pitchFamily="34" charset="0"/>
+                <a:ea typeface="Times New Roman" panose="02020603050405020304" pitchFamily="18" charset="0"/>
+              </a:rPr>
+              <a:t>F</a:t>
+            </a:r>
+            <a:r>
+              <a:rPr kumimoji="0" lang="en-US" altLang="en-US" sz="1000" b="0" i="0" u="none" strike="noStrike" cap="none" normalizeH="0" baseline="0" dirty="0">
                 <a:ln>
                   <a:noFill/>
                 </a:ln>
@@ -4889,9 +4901,9 @@
                 <a:latin typeface="Arial" panose="020B0604020202020204" pitchFamily="34" charset="0"/>
                 <a:ea typeface="Times New Roman" panose="02020603050405020304" pitchFamily="18" charset="0"/>
               </a:rPr>
-              <a:t>form source</a:t>
-            </a:r>
-            <a:endParaRPr kumimoji="0" lang="en-US" altLang="en-US" sz="1800" b="0" i="0" u="none" strike="noStrike" cap="none" normalizeH="0" baseline="0">
+              <a:t>orm Source</a:t>
+            </a:r>
+            <a:endParaRPr kumimoji="0" lang="en-US" altLang="en-US" sz="1800" b="0" i="0" u="none" strike="noStrike" cap="none" normalizeH="0" baseline="0" dirty="0">
               <a:ln>
                 <a:noFill/>
               </a:ln>
